--- a/Slides/etl slides.pptx
+++ b/Slides/etl slides.pptx
@@ -218,7 +218,7 @@
           <a:p>
             <a:fld id="{41CC4456-0E88-4EB2-8FDA-8240F984B54A}" type="datetimeFigureOut">
               <a:rPr lang="en-US" smtClean="0"/>
-              <a:t>12/9/2020</a:t>
+              <a:t>12/10/2020</a:t>
             </a:fld>
             <a:endParaRPr lang="en-US"/>
           </a:p>
@@ -453,7 +453,7 @@
           <a:p>
             <a:fld id="{AE5E9994-CBF9-4364-B2D1-761774B9F53C}" type="datetimeFigureOut">
               <a:rPr lang="en-US" smtClean="0"/>
-              <a:t>12/9/2020</a:t>
+              <a:t>12/10/2020</a:t>
             </a:fld>
             <a:endParaRPr lang="en-US" dirty="0"/>
           </a:p>
@@ -992,7 +992,7 @@
           <a:p>
             <a:fld id="{BAEE62B5-0727-4FE1-B35D-4CC400F0421B}" type="datetime1">
               <a:rPr lang="en-US" smtClean="0"/>
-              <a:t>12/9/2020</a:t>
+              <a:t>12/10/2020</a:t>
             </a:fld>
             <a:endParaRPr lang="en-US" dirty="0"/>
           </a:p>
@@ -1400,7 +1400,7 @@
           <a:p>
             <a:fld id="{1EE30329-BDC0-4E94-85A6-029919402EA5}" type="datetime1">
               <a:rPr lang="en-US" smtClean="0"/>
-              <a:t>12/9/2020</a:t>
+              <a:t>12/10/2020</a:t>
             </a:fld>
             <a:endParaRPr lang="en-US" dirty="0"/>
           </a:p>
@@ -1730,7 +1730,7 @@
           <a:p>
             <a:fld id="{82B72B49-901F-4A06-A293-97E642D291F1}" type="datetime1">
               <a:rPr lang="en-US" smtClean="0"/>
-              <a:t>12/9/2020</a:t>
+              <a:t>12/10/2020</a:t>
             </a:fld>
             <a:endParaRPr lang="en-US" dirty="0"/>
           </a:p>
@@ -2129,7 +2129,7 @@
           <a:p>
             <a:fld id="{988B8AC0-DF40-478D-AC66-7E53B92DC39D}" type="datetime1">
               <a:rPr lang="en-US" smtClean="0"/>
-              <a:t>12/9/2020</a:t>
+              <a:t>12/10/2020</a:t>
             </a:fld>
             <a:endParaRPr lang="en-US" dirty="0"/>
           </a:p>
@@ -2691,7 +2691,7 @@
           <a:p>
             <a:fld id="{2350704E-628F-4B07-B462-FEAA60A43C6F}" type="datetime1">
               <a:rPr lang="en-US" smtClean="0"/>
-              <a:t>12/9/2020</a:t>
+              <a:t>12/10/2020</a:t>
             </a:fld>
             <a:endParaRPr lang="en-US" dirty="0"/>
           </a:p>
@@ -3366,7 +3366,7 @@
           <a:p>
             <a:fld id="{8FDF3892-6A72-4732-B216-4C6AC1274CD7}" type="datetime1">
               <a:rPr lang="en-US" smtClean="0"/>
-              <a:t>12/9/2020</a:t>
+              <a:t>12/10/2020</a:t>
             </a:fld>
             <a:endParaRPr lang="en-US" dirty="0"/>
           </a:p>
@@ -4273,7 +4273,7 @@
           <a:p>
             <a:fld id="{CAFB02B0-6B64-4F60-8B09-8996E3F912FC}" type="datetime1">
               <a:rPr lang="en-US" smtClean="0"/>
-              <a:t>12/9/2020</a:t>
+              <a:t>12/10/2020</a:t>
             </a:fld>
             <a:endParaRPr lang="en-US" dirty="0"/>
           </a:p>
@@ -4579,7 +4579,7 @@
           <a:p>
             <a:fld id="{46DF3EBD-7946-447F-81B7-F8E13B1E0F65}" type="datetime1">
               <a:rPr lang="en-US" smtClean="0"/>
-              <a:t>12/9/2020</a:t>
+              <a:t>12/10/2020</a:t>
             </a:fld>
             <a:endParaRPr lang="en-US" dirty="0"/>
           </a:p>
@@ -4836,7 +4836,7 @@
           <a:p>
             <a:fld id="{10E91673-9338-481D-B5F9-C19B4D8B220D}" type="datetime1">
               <a:rPr lang="en-US" smtClean="0"/>
-              <a:t>12/9/2020</a:t>
+              <a:t>12/10/2020</a:t>
             </a:fld>
             <a:endParaRPr lang="en-US" dirty="0"/>
           </a:p>
@@ -5153,7 +5153,7 @@
           <a:p>
             <a:fld id="{88D29E9A-D780-446F-844A-BE267EEAD3AE}" type="datetime1">
               <a:rPr lang="en-US" smtClean="0"/>
-              <a:t>12/9/2020</a:t>
+              <a:t>12/10/2020</a:t>
             </a:fld>
             <a:endParaRPr lang="en-US" dirty="0"/>
           </a:p>
@@ -5536,7 +5536,7 @@
           <a:p>
             <a:fld id="{CEB7C910-909F-4D24-AD23-A62C7BD67FC7}" type="datetime1">
               <a:rPr lang="en-US" smtClean="0"/>
-              <a:t>12/9/2020</a:t>
+              <a:t>12/10/2020</a:t>
             </a:fld>
             <a:endParaRPr lang="en-US" dirty="0"/>
           </a:p>
@@ -5904,7 +5904,7 @@
           <a:p>
             <a:fld id="{3FA83216-DF3C-46DB-A40A-96FF3C606000}" type="datetime1">
               <a:rPr lang="en-US" smtClean="0"/>
-              <a:t>12/9/2020</a:t>
+              <a:t>12/10/2020</a:t>
             </a:fld>
             <a:endParaRPr lang="en-US" dirty="0"/>
           </a:p>
@@ -6402,7 +6402,7 @@
           <a:p>
             <a:fld id="{B13720A9-03EA-4B84-88A6-300F0BD51786}" type="datetime1">
               <a:rPr lang="en-US" smtClean="0"/>
-              <a:t>12/9/2020</a:t>
+              <a:t>12/10/2020</a:t>
             </a:fld>
             <a:endParaRPr lang="en-US" dirty="0"/>
           </a:p>
@@ -6653,7 +6653,7 @@
           <a:p>
             <a:fld id="{5DF7BD0E-0FCD-4324-A628-FDB0CB3327DA}" type="datetime1">
               <a:rPr lang="en-US" smtClean="0"/>
-              <a:t>12/9/2020</a:t>
+              <a:t>12/10/2020</a:t>
             </a:fld>
             <a:endParaRPr lang="en-US" dirty="0"/>
           </a:p>
@@ -6811,7 +6811,7 @@
           <a:p>
             <a:fld id="{E392EC9E-8B9A-41EE-9BA7-24325F3A2FA7}" type="datetime1">
               <a:rPr lang="en-US" smtClean="0"/>
-              <a:t>12/9/2020</a:t>
+              <a:t>12/10/2020</a:t>
             </a:fld>
             <a:endParaRPr lang="en-US" dirty="0"/>
           </a:p>
@@ -7194,7 +7194,7 @@
           <a:p>
             <a:fld id="{6604F5E6-D73A-4AD2-857F-AF5620C48E9C}" type="datetime1">
               <a:rPr lang="en-US" smtClean="0"/>
-              <a:t>12/9/2020</a:t>
+              <a:t>12/10/2020</a:t>
             </a:fld>
             <a:endParaRPr lang="en-US" dirty="0"/>
           </a:p>
@@ -7597,7 +7597,7 @@
           <a:p>
             <a:fld id="{F8F6E721-8DEF-49EB-A280-ECA7ED0AF9E9}" type="datetime1">
               <a:rPr lang="en-US" smtClean="0"/>
-              <a:t>12/9/2020</a:t>
+              <a:t>12/10/2020</a:t>
             </a:fld>
             <a:endParaRPr lang="en-US" dirty="0"/>
           </a:p>
@@ -7834,7 +7834,7 @@
           <a:p>
             <a:fld id="{36947E68-D1AB-47D2-8C40-7F44C00C5B87}" type="datetime1">
               <a:rPr lang="en-US" smtClean="0"/>
-              <a:t>12/9/2020</a:t>
+              <a:t>12/10/2020</a:t>
             </a:fld>
             <a:endParaRPr lang="en-US" dirty="0"/>
           </a:p>
@@ -8469,15 +8469,7 @@
             </a:pPr>
             <a:r>
               <a:rPr lang="en-US" dirty="0"/>
-              <a:t>Parse the source page using </a:t>
-            </a:r>
-            <a:r>
-              <a:rPr lang="en-US" dirty="0" err="1"/>
-              <a:t>Beautifle</a:t>
-            </a:r>
-            <a:r>
-              <a:rPr lang="en-US" dirty="0"/>
-              <a:t> Soup with an XML parser</a:t>
+              <a:t>Parse the source page using Beautiful Soup with an XML parser</a:t>
             </a:r>
           </a:p>
           <a:p>
@@ -8624,10 +8616,9 @@
               <a:t>Grab the data tables, using Pandas </a:t>
             </a:r>
             <a:r>
-              <a:rPr lang="en-US" dirty="0" err="1"/>
+              <a:rPr lang="en-US" i="1" dirty="0"/>
               <a:t>read_html</a:t>
             </a:r>
-            <a:endParaRPr lang="en-US" dirty="0"/>
           </a:p>
           <a:p>
             <a:pPr marL="285750" indent="-285750">
@@ -10049,8 +10040,8 @@
           </a:extLst>
         </p:spPr>
       </p:pic>
-      <mc:AlternateContent xmlns:mc="http://schemas.openxmlformats.org/markup-compatibility/2006">
-        <mc:Choice xmlns:p14="http://schemas.microsoft.com/office/powerpoint/2010/main" Requires="p14">
+      <mc:AlternateContent xmlns:mc="http://schemas.openxmlformats.org/markup-compatibility/2006" xmlns:p14="http://schemas.microsoft.com/office/powerpoint/2010/main">
+        <mc:Choice Requires="p14">
           <p:contentPart p14:bwMode="auto" r:id="rId4">
             <p14:nvContentPartPr>
               <p14:cNvPr id="21" name="Ink 20">
@@ -10069,7 +10060,7 @@
             </p14:xfrm>
           </p:contentPart>
         </mc:Choice>
-        <mc:Fallback>
+        <mc:Fallback xmlns="">
           <p:pic>
             <p:nvPicPr>
               <p:cNvPr id="21" name="Ink 20">
@@ -10100,8 +10091,8 @@
           </p:pic>
         </mc:Fallback>
       </mc:AlternateContent>
-      <mc:AlternateContent xmlns:mc="http://schemas.openxmlformats.org/markup-compatibility/2006">
-        <mc:Choice xmlns:p14="http://schemas.microsoft.com/office/powerpoint/2010/main" Requires="p14">
+      <mc:AlternateContent xmlns:mc="http://schemas.openxmlformats.org/markup-compatibility/2006" xmlns:p14="http://schemas.microsoft.com/office/powerpoint/2010/main">
+        <mc:Choice Requires="p14">
           <p:contentPart p14:bwMode="auto" r:id="rId6">
             <p14:nvContentPartPr>
               <p14:cNvPr id="22" name="Ink 21">
@@ -10120,7 +10111,7 @@
             </p14:xfrm>
           </p:contentPart>
         </mc:Choice>
-        <mc:Fallback>
+        <mc:Fallback xmlns="">
           <p:pic>
             <p:nvPicPr>
               <p:cNvPr id="22" name="Ink 21">
@@ -11009,12 +11000,11 @@
 </file>
 
 <file path=customXml/item1.xml><?xml version="1.0" encoding="utf-8"?>
-<?mso-contentType ?>
-<FormTemplates xmlns="http://schemas.microsoft.com/sharepoint/v3/contenttype/forms">
-  <Display>DocumentLibraryForm</Display>
-  <Edit>DocumentLibraryForm</Edit>
-  <New>DocumentLibraryForm</New>
-</FormTemplates>
+<p:properties xmlns:p="http://schemas.microsoft.com/office/2006/metadata/properties" xmlns:xsi="http://www.w3.org/2001/XMLSchema-instance" xmlns:pc="http://schemas.microsoft.com/office/infopath/2007/PartnerControls">
+  <documentManagement>
+    <MediaServiceKeyPoints xmlns="71af3243-3dd4-4a8d-8c0d-dd76da1f02a5" xsi:nil="true"/>
+  </documentManagement>
+</p:properties>
 </file>
 
 <file path=customXml/item2.xml><?xml version="1.0" encoding="utf-8"?>
@@ -11229,17 +11219,20 @@
 </file>
 
 <file path=customXml/item3.xml><?xml version="1.0" encoding="utf-8"?>
-<p:properties xmlns:p="http://schemas.microsoft.com/office/2006/metadata/properties" xmlns:xsi="http://www.w3.org/2001/XMLSchema-instance" xmlns:pc="http://schemas.microsoft.com/office/infopath/2007/PartnerControls">
-  <documentManagement>
-    <MediaServiceKeyPoints xmlns="71af3243-3dd4-4a8d-8c0d-dd76da1f02a5" xsi:nil="true"/>
-  </documentManagement>
-</p:properties>
+<?mso-contentType ?>
+<FormTemplates xmlns="http://schemas.microsoft.com/sharepoint/v3/contenttype/forms">
+  <Display>DocumentLibraryForm</Display>
+  <Edit>DocumentLibraryForm</Edit>
+  <New>DocumentLibraryForm</New>
+</FormTemplates>
 </file>
 
 <file path=customXml/itemProps1.xml><?xml version="1.0" encoding="utf-8"?>
-<ds:datastoreItem xmlns:ds="http://schemas.openxmlformats.org/officeDocument/2006/customXml" ds:itemID="{A913FBCD-4DF7-4ECF-9257-7B99D5499325}">
+<ds:datastoreItem xmlns:ds="http://schemas.openxmlformats.org/officeDocument/2006/customXml" ds:itemID="{FE0B8658-DE86-42E1-9D01-970FE6B6ABA5}">
   <ds:schemaRefs>
-    <ds:schemaRef ds:uri="http://schemas.microsoft.com/sharepoint/v3/contenttype/forms"/>
+    <ds:schemaRef ds:uri="http://schemas.microsoft.com/office/2006/metadata/properties"/>
+    <ds:schemaRef ds:uri="http://schemas.microsoft.com/office/infopath/2007/PartnerControls"/>
+    <ds:schemaRef ds:uri="71af3243-3dd4-4a8d-8c0d-dd76da1f02a5"/>
   </ds:schemaRefs>
 </ds:datastoreItem>
 </file>
@@ -11264,11 +11257,9 @@
 </file>
 
 <file path=customXml/itemProps3.xml><?xml version="1.0" encoding="utf-8"?>
-<ds:datastoreItem xmlns:ds="http://schemas.openxmlformats.org/officeDocument/2006/customXml" ds:itemID="{FE0B8658-DE86-42E1-9D01-970FE6B6ABA5}">
+<ds:datastoreItem xmlns:ds="http://schemas.openxmlformats.org/officeDocument/2006/customXml" ds:itemID="{A913FBCD-4DF7-4ECF-9257-7B99D5499325}">
   <ds:schemaRefs>
-    <ds:schemaRef ds:uri="http://schemas.microsoft.com/office/2006/metadata/properties"/>
-    <ds:schemaRef ds:uri="http://schemas.microsoft.com/office/infopath/2007/PartnerControls"/>
-    <ds:schemaRef ds:uri="71af3243-3dd4-4a8d-8c0d-dd76da1f02a5"/>
+    <ds:schemaRef ds:uri="http://schemas.microsoft.com/sharepoint/v3/contenttype/forms"/>
   </ds:schemaRefs>
 </ds:datastoreItem>
 </file>